--- a/Presentation/Presentation_4x3.pptx
+++ b/Presentation/Presentation_4x3.pptx
@@ -8,22 +8,32 @@
     <p:sldMasterId id="2147483662" r:id="rId4"/>
   </p:sldMasterIdLst>
   <p:notesMasterIdLst>
-    <p:notesMasterId r:id="rId15"/>
+    <p:notesMasterId r:id="rId25"/>
   </p:notesMasterIdLst>
   <p:handoutMasterIdLst>
-    <p:handoutMasterId r:id="rId16"/>
+    <p:handoutMasterId r:id="rId26"/>
   </p:handoutMasterIdLst>
   <p:sldIdLst>
     <p:sldId id="256" r:id="rId5"/>
-    <p:sldId id="258" r:id="rId6"/>
-    <p:sldId id="260" r:id="rId7"/>
-    <p:sldId id="261" r:id="rId8"/>
-    <p:sldId id="263" r:id="rId9"/>
-    <p:sldId id="262" r:id="rId10"/>
-    <p:sldId id="264" r:id="rId11"/>
-    <p:sldId id="265" r:id="rId12"/>
-    <p:sldId id="266" r:id="rId13"/>
-    <p:sldId id="259" r:id="rId14"/>
+    <p:sldId id="274" r:id="rId6"/>
+    <p:sldId id="267" r:id="rId7"/>
+    <p:sldId id="269" r:id="rId8"/>
+    <p:sldId id="268" r:id="rId9"/>
+    <p:sldId id="270" r:id="rId10"/>
+    <p:sldId id="271" r:id="rId11"/>
+    <p:sldId id="275" r:id="rId12"/>
+    <p:sldId id="276" r:id="rId13"/>
+    <p:sldId id="277" r:id="rId14"/>
+    <p:sldId id="258" r:id="rId15"/>
+    <p:sldId id="260" r:id="rId16"/>
+    <p:sldId id="261" r:id="rId17"/>
+    <p:sldId id="263" r:id="rId18"/>
+    <p:sldId id="262" r:id="rId19"/>
+    <p:sldId id="264" r:id="rId20"/>
+    <p:sldId id="265" r:id="rId21"/>
+    <p:sldId id="272" r:id="rId22"/>
+    <p:sldId id="278" r:id="rId23"/>
+    <p:sldId id="259" r:id="rId24"/>
   </p:sldIdLst>
   <p:sldSz cx="9144000" cy="6858000" type="screen4x3"/>
   <p:notesSz cx="6858000" cy="9144000"/>
@@ -1142,7 +1152,7 @@
           <a:p>
             <a:fld id="{1E050263-9721-43EF-AC38-28F6115BDD45}" type="datetimeFigureOut">
               <a:rPr lang="en-US" smtClean="0"/>
-              <a:t>2/21/2017</a:t>
+              <a:t>3/1/2017</a:t>
             </a:fld>
             <a:endParaRPr lang="en-US"/>
           </a:p>
@@ -1307,7 +1317,7 @@
           <a:p>
             <a:fld id="{02790F4D-45E3-4E16-A568-54C3CC6D5229}" type="datetimeFigureOut">
               <a:rPr lang="en-US" smtClean="0"/>
-              <a:t>2/21/2017</a:t>
+              <a:t>3/1/2017</a:t>
             </a:fld>
             <a:endParaRPr lang="en-US"/>
           </a:p>
@@ -1572,6 +1582,90 @@
     </a:lvl9pPr>
   </p:notesStyle>
 </p:notesMaster>
+</file>
+
+<file path=ppt/notesSlides/notesSlide1.xml><?xml version="1.0" encoding="utf-8"?>
+<p:notes xmlns:a="http://schemas.openxmlformats.org/drawingml/2006/main" xmlns:r="http://schemas.openxmlformats.org/officeDocument/2006/relationships" xmlns:p="http://schemas.openxmlformats.org/presentationml/2006/main">
+  <p:cSld>
+    <p:spTree>
+      <p:nvGrpSpPr>
+        <p:cNvPr id="1" name=""/>
+        <p:cNvGrpSpPr/>
+        <p:nvPr/>
+      </p:nvGrpSpPr>
+      <p:grpSpPr>
+        <a:xfrm>
+          <a:off x="0" y="0"/>
+          <a:ext cx="0" cy="0"/>
+          <a:chOff x="0" y="0"/>
+          <a:chExt cx="0" cy="0"/>
+        </a:xfrm>
+      </p:grpSpPr>
+      <p:sp>
+        <p:nvSpPr>
+          <p:cNvPr id="2" name="Slide Image Placeholder 1"/>
+          <p:cNvSpPr>
+            <a:spLocks noGrp="1" noRot="1" noChangeAspect="1"/>
+          </p:cNvSpPr>
+          <p:nvPr>
+            <p:ph type="sldImg"/>
+          </p:nvPr>
+        </p:nvSpPr>
+        <p:spPr/>
+      </p:sp>
+      <p:sp>
+        <p:nvSpPr>
+          <p:cNvPr id="3" name="Notes Placeholder 2"/>
+          <p:cNvSpPr>
+            <a:spLocks noGrp="1"/>
+          </p:cNvSpPr>
+          <p:nvPr>
+            <p:ph type="body" idx="1"/>
+          </p:nvPr>
+        </p:nvSpPr>
+        <p:spPr/>
+        <p:txBody>
+          <a:bodyPr/>
+          <a:lstStyle/>
+          <a:p>
+            <a:endParaRPr lang="en-GB" dirty="0"/>
+          </a:p>
+        </p:txBody>
+      </p:sp>
+      <p:sp>
+        <p:nvSpPr>
+          <p:cNvPr id="4" name="Slide Number Placeholder 3"/>
+          <p:cNvSpPr>
+            <a:spLocks noGrp="1"/>
+          </p:cNvSpPr>
+          <p:nvPr>
+            <p:ph type="sldNum" sz="quarter" idx="10"/>
+          </p:nvPr>
+        </p:nvSpPr>
+        <p:spPr/>
+        <p:txBody>
+          <a:bodyPr/>
+          <a:lstStyle/>
+          <a:p>
+            <a:fld id="{55992286-4AA4-4E55-98B6-FFAF34B74A40}" type="slidenum">
+              <a:rPr lang="en-US" smtClean="0"/>
+              <a:t>12</a:t>
+            </a:fld>
+            <a:endParaRPr lang="en-US"/>
+          </a:p>
+        </p:txBody>
+      </p:sp>
+    </p:spTree>
+    <p:extLst>
+      <p:ext uri="{BB962C8B-B14F-4D97-AF65-F5344CB8AC3E}">
+        <p14:creationId xmlns:p14="http://schemas.microsoft.com/office/powerpoint/2010/main" val="3581755615"/>
+      </p:ext>
+    </p:extLst>
+  </p:cSld>
+  <p:clrMapOvr>
+    <a:masterClrMapping/>
+  </p:clrMapOvr>
+</p:notes>
 </file>
 
 <file path=ppt/slideLayouts/slideLayout1.xml><?xml version="1.0" encoding="utf-8"?>
@@ -5287,6 +5381,17 @@
           <a:lstStyle/>
           <a:p>
             <a:r>
+              <a:rPr lang="pl-PL" sz="1400" b="0" i="0" u="none" strike="noStrike" kern="1200" spc="225" baseline="0" dirty="0">
+                <a:solidFill>
+                  <a:schemeClr val="tx1"/>
+                </a:solidFill>
+                <a:latin typeface="Malleable-FP" panose="00000500000000000000" pitchFamily="50" charset="0"/>
+                <a:ea typeface="+mn-ea"/>
+                <a:cs typeface="+mn-cs"/>
+              </a:rPr>
+              <a:t>Oauth 2.0 &amp; OpenId</a:t>
+            </a:r>
+            <a:r>
               <a:rPr lang="en-US" sz="1400" b="0" i="0" u="none" strike="noStrike" kern="1200" spc="225" baseline="0" dirty="0">
                 <a:solidFill>
                   <a:schemeClr val="tx1"/>
@@ -5295,7 +5400,18 @@
                 <a:ea typeface="+mn-ea"/>
                 <a:cs typeface="+mn-cs"/>
               </a:rPr>
-              <a:t>PRESENTATION TITLE | </a:t>
+              <a:t> | </a:t>
+            </a:r>
+            <a:r>
+              <a:rPr lang="pl-PL" sz="1400" b="0" i="0" u="none" strike="noStrike" kern="1200" spc="225" baseline="0" dirty="0">
+                <a:solidFill>
+                  <a:schemeClr val="tx1"/>
+                </a:solidFill>
+                <a:latin typeface="Malleable-FP Thin" panose="00000500000000000000" pitchFamily="50" charset="0"/>
+                <a:ea typeface="+mn-ea"/>
+                <a:cs typeface="+mn-cs"/>
+              </a:rPr>
+              <a:t>2017</a:t>
             </a:r>
             <a:r>
               <a:rPr lang="en-US" sz="1400" b="0" i="0" u="none" strike="noStrike" kern="1200" spc="225" baseline="0" dirty="0">
@@ -5306,7 +5422,62 @@
                 <a:ea typeface="+mn-ea"/>
                 <a:cs typeface="+mn-cs"/>
               </a:rPr>
-              <a:t>RRRR.MM.DD | Author Name</a:t>
+              <a:t>.</a:t>
+            </a:r>
+            <a:r>
+              <a:rPr lang="pl-PL" sz="1400" b="0" i="0" u="none" strike="noStrike" kern="1200" spc="225" baseline="0" dirty="0">
+                <a:solidFill>
+                  <a:schemeClr val="tx1"/>
+                </a:solidFill>
+                <a:latin typeface="Malleable-FP Thin" panose="00000500000000000000" pitchFamily="50" charset="0"/>
+                <a:ea typeface="+mn-ea"/>
+                <a:cs typeface="+mn-cs"/>
+              </a:rPr>
+              <a:t>03</a:t>
+            </a:r>
+            <a:r>
+              <a:rPr lang="en-US" sz="1400" b="0" i="0" u="none" strike="noStrike" kern="1200" spc="225" baseline="0" dirty="0">
+                <a:solidFill>
+                  <a:schemeClr val="tx1"/>
+                </a:solidFill>
+                <a:latin typeface="Malleable-FP Thin" panose="00000500000000000000" pitchFamily="50" charset="0"/>
+                <a:ea typeface="+mn-ea"/>
+                <a:cs typeface="+mn-cs"/>
+              </a:rPr>
+              <a:t>.</a:t>
+            </a:r>
+            <a:r>
+              <a:rPr lang="pl-PL" sz="1400" b="0" i="0" u="none" strike="noStrike" kern="1200" spc="225" baseline="0" dirty="0">
+                <a:solidFill>
+                  <a:schemeClr val="tx1"/>
+                </a:solidFill>
+                <a:latin typeface="Malleable-FP Thin" panose="00000500000000000000" pitchFamily="50" charset="0"/>
+                <a:ea typeface="+mn-ea"/>
+                <a:cs typeface="+mn-cs"/>
+              </a:rPr>
+              <a:t>01</a:t>
+            </a:r>
+            <a:r>
+              <a:rPr lang="en-US" sz="1400" b="0" i="0" u="none" strike="noStrike" kern="1200" spc="225" baseline="0" dirty="0">
+                <a:solidFill>
+                  <a:schemeClr val="tx1"/>
+                </a:solidFill>
+                <a:latin typeface="Malleable-FP Thin" panose="00000500000000000000" pitchFamily="50" charset="0"/>
+                <a:ea typeface="+mn-ea"/>
+                <a:cs typeface="+mn-cs"/>
+              </a:rPr>
+              <a:t> | </a:t>
+            </a:r>
+            <a:r>
+              <a:rPr lang="pl-PL" sz="1400" b="0" i="0" u="none" strike="noStrike" kern="1200" spc="225" baseline="0" dirty="0">
+                <a:solidFill>
+                  <a:schemeClr val="tx1"/>
+                </a:solidFill>
+                <a:latin typeface="Malleable-FP Thin" panose="00000500000000000000" pitchFamily="50" charset="0"/>
+                <a:ea typeface="+mn-ea"/>
+                <a:cs typeface="+mn-cs"/>
+              </a:rPr>
+              <a:t>Jarosław Ogiegło</a:t>
             </a:r>
             <a:endParaRPr lang="en-US" sz="1400" spc="0" dirty="0">
               <a:latin typeface="Malleable-FP Thin" panose="00000500000000000000" pitchFamily="50" charset="0"/>
@@ -6618,7 +6789,7 @@
               <a:rPr lang="pl-PL" sz="1500" dirty="0">
                 <a:latin typeface="Malleable-FP" panose="00000500000000000000" pitchFamily="50" charset="0"/>
               </a:rPr>
-              <a:t>02</a:t>
+              <a:t>03</a:t>
             </a:r>
             <a:r>
               <a:rPr lang="en-US" sz="1500" dirty="0">
@@ -6693,27 +6864,147 @@
       </p:grpSpPr>
       <p:sp>
         <p:nvSpPr>
+          <p:cNvPr id="5" name="Text Placeholder 4"/>
+          <p:cNvSpPr>
+            <a:spLocks noGrp="1"/>
+          </p:cNvSpPr>
+          <p:nvPr>
+            <p:ph type="body" sz="quarter" idx="14"/>
+          </p:nvPr>
+        </p:nvSpPr>
+        <p:spPr>
+          <a:xfrm>
+            <a:off x="5288097" y="2560389"/>
+            <a:ext cx="3487744" cy="4297611"/>
+          </a:xfrm>
+        </p:spPr>
+        <p:txBody>
+          <a:bodyPr/>
+          <a:lstStyle/>
+          <a:p>
+            <a:r>
+              <a:rPr lang="pl-PL" sz="1800" dirty="0"/>
+              <a:t>Sub – user identity</a:t>
+            </a:r>
+            <a:endParaRPr lang="en-US" sz="1800" dirty="0"/>
+          </a:p>
+          <a:p>
+            <a:r>
+              <a:rPr lang="pl-PL" sz="1800" dirty="0"/>
+              <a:t>Iss – issuing authority</a:t>
+            </a:r>
+            <a:endParaRPr lang="en-US" sz="1800" dirty="0"/>
+          </a:p>
+          <a:p>
+            <a:r>
+              <a:rPr lang="pl-PL" sz="1800" dirty="0"/>
+              <a:t>Aud - audience</a:t>
+            </a:r>
+            <a:endParaRPr lang="en-US" sz="1800" dirty="0"/>
+          </a:p>
+          <a:p>
+            <a:r>
+              <a:rPr lang="pl-PL" sz="1800" dirty="0"/>
+              <a:t>Nonce</a:t>
+            </a:r>
+            <a:endParaRPr lang="en-US" sz="1800" dirty="0"/>
+          </a:p>
+          <a:p>
+            <a:r>
+              <a:rPr lang="pl-PL" sz="1800" dirty="0"/>
+              <a:t>Acr – authentication strength definition</a:t>
+            </a:r>
+            <a:endParaRPr lang="en-US" sz="1800" dirty="0"/>
+          </a:p>
+          <a:p>
+            <a:r>
+              <a:rPr lang="pl-PL" sz="1800" dirty="0"/>
+              <a:t>Exp – expidation time</a:t>
+            </a:r>
+            <a:endParaRPr lang="en-US" sz="1800" dirty="0"/>
+          </a:p>
+          <a:p>
+            <a:r>
+              <a:rPr lang="en-US" sz="1800" dirty="0"/>
+              <a:t>May include additional </a:t>
+            </a:r>
+            <a:r>
+              <a:rPr lang="pl-PL" sz="1800" dirty="0"/>
+              <a:t>user details</a:t>
+            </a:r>
+            <a:endParaRPr lang="en-US" sz="1800" dirty="0"/>
+          </a:p>
+          <a:p>
+            <a:r>
+              <a:rPr lang="en-US" sz="1800" dirty="0"/>
+              <a:t>Is digitally signed</a:t>
+            </a:r>
+          </a:p>
+        </p:txBody>
+      </p:sp>
+      <p:sp>
+        <p:nvSpPr>
           <p:cNvPr id="2" name="Title 1"/>
           <p:cNvSpPr>
             <a:spLocks noGrp="1"/>
           </p:cNvSpPr>
           <p:nvPr>
-            <p:ph type="ctrTitle"/>
+            <p:ph type="title" idx="4294967295"/>
           </p:nvPr>
         </p:nvSpPr>
-        <p:spPr/>
+        <p:spPr>
+          <a:xfrm>
+            <a:off x="535531" y="1092334"/>
+            <a:ext cx="7886700" cy="1325562"/>
+          </a:xfrm>
+          <a:prstGeom prst="rect">
+            <a:avLst/>
+          </a:prstGeom>
+        </p:spPr>
         <p:txBody>
           <a:bodyPr/>
           <a:lstStyle/>
           <a:p>
-            <a:endParaRPr lang="en-US"/>
+            <a:r>
+              <a:rPr lang="pl-PL" dirty="0">
+                <a:latin typeface="Malleable-FP" panose="00000500000000000000" pitchFamily="50" charset="0"/>
+              </a:rPr>
+              <a:t>OpenID token</a:t>
+            </a:r>
+            <a:endParaRPr lang="en-GB" dirty="0">
+              <a:latin typeface="Malleable-FP" panose="00000500000000000000" pitchFamily="50" charset="0"/>
+            </a:endParaRPr>
           </a:p>
         </p:txBody>
       </p:sp>
+      <p:pic>
+        <p:nvPicPr>
+          <p:cNvPr id="3" name="Picture 2"/>
+          <p:cNvPicPr>
+            <a:picLocks noChangeAspect="1"/>
+          </p:cNvPicPr>
+          <p:nvPr/>
+        </p:nvPicPr>
+        <p:blipFill>
+          <a:blip r:embed="rId2"/>
+          <a:stretch>
+            <a:fillRect/>
+          </a:stretch>
+        </p:blipFill>
+        <p:spPr>
+          <a:xfrm>
+            <a:off x="622669" y="2417896"/>
+            <a:ext cx="4311818" cy="2930487"/>
+          </a:xfrm>
+          <a:prstGeom prst="rect">
+            <a:avLst/>
+          </a:prstGeom>
+        </p:spPr>
+      </p:pic>
     </p:spTree>
     <p:extLst>
       <p:ext uri="{BB962C8B-B14F-4D97-AF65-F5344CB8AC3E}">
-        <p14:creationId xmlns:p14="http://schemas.microsoft.com/office/powerpoint/2010/main" val="2967175098"/>
+        <p14:creationId xmlns:p14="http://schemas.microsoft.com/office/powerpoint/2010/main" val="1724290701"/>
       </p:ext>
     </p:extLst>
   </p:cSld>
@@ -6723,7 +7014,7 @@
 </p:sld>
 </file>
 
-<file path=ppt/slides/slide2.xml><?xml version="1.0" encoding="utf-8"?>
+<file path=ppt/slides/slide11.xml><?xml version="1.0" encoding="utf-8"?>
 <p:sld xmlns:a="http://schemas.openxmlformats.org/drawingml/2006/main" xmlns:r="http://schemas.openxmlformats.org/officeDocument/2006/relationships" xmlns:p="http://schemas.openxmlformats.org/presentationml/2006/main">
   <p:cSld>
     <p:spTree>
@@ -6761,9 +7052,7 @@
           <a:lstStyle/>
           <a:p>
             <a:r>
-              <a:rPr lang="pl-PL" dirty="0">
-                <a:latin typeface="Calibri Light (Headings)"/>
-              </a:rPr>
+              <a:rPr lang="pl-PL" dirty="0"/>
               <a:t>Role</a:t>
             </a:r>
           </a:p>
@@ -6796,7 +7085,7 @@
             <a:fld id="{CD06142C-1AA4-405C-9DF3-638D73B05C27}" type="slidenum">
               <a:rPr lang="en-US" smtClean="0"/>
               <a:pPr/>
-              <a:t>2</a:t>
+              <a:t>11</a:t>
             </a:fld>
             <a:endParaRPr lang="en-US" dirty="0"/>
           </a:p>
@@ -6842,7 +7131,7 @@
         </p:blipFill>
         <p:spPr>
           <a:xfrm>
-            <a:off x="4442264" y="2710150"/>
+            <a:off x="4601550" y="2386375"/>
             <a:ext cx="4181475" cy="1228725"/>
           </a:xfrm>
           <a:prstGeom prst="rect">
@@ -6866,7 +7155,7 @@
         </p:blipFill>
         <p:spPr>
           <a:xfrm>
-            <a:off x="575795" y="4250100"/>
+            <a:off x="550498" y="3615100"/>
             <a:ext cx="4171950" cy="1200150"/>
           </a:xfrm>
           <a:prstGeom prst="rect">
@@ -6890,7 +7179,7 @@
         </p:blipFill>
         <p:spPr>
           <a:xfrm>
-            <a:off x="4601550" y="5450250"/>
+            <a:off x="4601550" y="4843825"/>
             <a:ext cx="4105275" cy="1238250"/>
           </a:xfrm>
           <a:prstGeom prst="rect">
@@ -6911,7 +7200,7 @@
 </p:sld>
 </file>
 
-<file path=ppt/slides/slide3.xml><?xml version="1.0" encoding="utf-8"?>
+<file path=ppt/slides/slide12.xml><?xml version="1.0" encoding="utf-8"?>
 <p:sld xmlns:a="http://schemas.openxmlformats.org/drawingml/2006/main" xmlns:r="http://schemas.openxmlformats.org/officeDocument/2006/relationships" xmlns:p="http://schemas.openxmlformats.org/presentationml/2006/main">
   <p:cSld>
     <p:spTree>
@@ -6949,14 +7238,10 @@
           <a:lstStyle/>
           <a:p>
             <a:r>
-              <a:rPr lang="pl-PL" dirty="0">
-                <a:latin typeface="Calibri Light (Headings)"/>
-              </a:rPr>
+              <a:rPr lang="pl-PL" dirty="0"/>
               <a:t>Rodzaje klientów</a:t>
             </a:r>
-            <a:endParaRPr lang="en-US" dirty="0">
-              <a:latin typeface="Calibri Light (Headings)"/>
-            </a:endParaRPr>
+            <a:endParaRPr lang="en-US" dirty="0"/>
           </a:p>
         </p:txBody>
       </p:sp>
@@ -6976,19 +7261,27 @@
           <a:lstStyle/>
           <a:p>
             <a:r>
-              <a:rPr lang="pl-PL" sz="3600" dirty="0"/>
+              <a:rPr lang="pl-PL" sz="3600" dirty="0">
+                <a:latin typeface="Malleable-FP" panose="00000500000000000000" pitchFamily="50" charset="0"/>
+              </a:rPr>
               <a:t>Bezpieczni (MVC)</a:t>
             </a:r>
           </a:p>
           <a:p>
-            <a:endParaRPr lang="pl-PL" sz="3600" dirty="0"/>
-          </a:p>
-          <a:p>
-            <a:r>
-              <a:rPr lang="pl-PL" sz="3600" dirty="0"/>
+            <a:endParaRPr lang="pl-PL" sz="3600" dirty="0">
+              <a:latin typeface="Malleable-FP" panose="00000500000000000000" pitchFamily="50" charset="0"/>
+            </a:endParaRPr>
+          </a:p>
+          <a:p>
+            <a:r>
+              <a:rPr lang="pl-PL" sz="3600" dirty="0">
+                <a:latin typeface="Malleable-FP" panose="00000500000000000000" pitchFamily="50" charset="0"/>
+              </a:rPr>
               <a:t>Klienci, którzy nie są w stanie utrzymać pufności swoich danych (Javascript, IOS, Android)</a:t>
             </a:r>
-            <a:endParaRPr lang="en-GB" sz="3600" dirty="0"/>
+            <a:endParaRPr lang="en-GB" sz="3600" dirty="0">
+              <a:latin typeface="Malleable-FP" panose="00000500000000000000" pitchFamily="50" charset="0"/>
+            </a:endParaRPr>
           </a:p>
           <a:p>
             <a:endParaRPr lang="en-GB" sz="3600" dirty="0"/>
@@ -7017,7 +7310,7 @@
             <a:fld id="{CD06142C-1AA4-405C-9DF3-638D73B05C27}" type="slidenum">
               <a:rPr lang="en-US" smtClean="0"/>
               <a:pPr/>
-              <a:t>3</a:t>
+              <a:t>12</a:t>
             </a:fld>
             <a:endParaRPr lang="en-US" dirty="0"/>
           </a:p>
@@ -7036,7 +7329,7 @@
 </p:sld>
 </file>
 
-<file path=ppt/slides/slide4.xml><?xml version="1.0" encoding="utf-8"?>
+<file path=ppt/slides/slide13.xml><?xml version="1.0" encoding="utf-8"?>
 <p:sld xmlns:a="http://schemas.openxmlformats.org/drawingml/2006/main" xmlns:r="http://schemas.openxmlformats.org/officeDocument/2006/relationships" xmlns:p="http://schemas.openxmlformats.org/presentationml/2006/main">
   <p:cSld>
     <p:spTree>
@@ -7074,14 +7367,10 @@
           <a:lstStyle/>
           <a:p>
             <a:r>
-              <a:rPr lang="pl-PL" dirty="0">
-                <a:latin typeface="Calibri Light (Headings)"/>
-              </a:rPr>
+              <a:rPr lang="pl-PL" dirty="0"/>
               <a:t>Authorization Server</a:t>
             </a:r>
-            <a:endParaRPr lang="en-GB" dirty="0">
-              <a:latin typeface="Calibri Light (Headings)"/>
-            </a:endParaRPr>
+            <a:endParaRPr lang="en-GB" dirty="0"/>
           </a:p>
         </p:txBody>
       </p:sp>
@@ -7101,25 +7390,30 @@
           <a:lstStyle/>
           <a:p>
             <a:r>
-              <a:rPr lang="pl-PL" sz="3600" dirty="0"/>
-              <a:t>Authorization endpoint</a:t>
-            </a:r>
-          </a:p>
-          <a:p>
-            <a:endParaRPr lang="pl-PL" sz="3600" dirty="0"/>
-          </a:p>
-          <a:p>
-            <a:endParaRPr lang="pl-PL" sz="3600" dirty="0"/>
-          </a:p>
-          <a:p>
-            <a:endParaRPr lang="pl-PL" sz="3600" dirty="0"/>
-          </a:p>
-          <a:p>
-            <a:r>
-              <a:rPr lang="pl-PL" sz="3600" dirty="0"/>
-              <a:t>Token endpoint</a:t>
-            </a:r>
-            <a:endParaRPr lang="en-GB" sz="3600" dirty="0"/>
+              <a:rPr lang="pl-PL" sz="3600" dirty="0">
+                <a:latin typeface="Malleable-FP" panose="00000500000000000000" pitchFamily="50" charset="0"/>
+              </a:rPr>
+              <a:t>Authorization endpoint – wymiana danych autoryzacyjnych na upoważnienie (authorization code)</a:t>
+            </a:r>
+          </a:p>
+          <a:p>
+            <a:r>
+              <a:rPr lang="pl-PL" sz="3600" dirty="0">
+                <a:latin typeface="Malleable-FP" panose="00000500000000000000" pitchFamily="50" charset="0"/>
+              </a:rPr>
+              <a:t>Token endpoint – wymiana upoważnienia na token autorizacyjny </a:t>
+            </a:r>
+          </a:p>
+          <a:p>
+            <a:r>
+              <a:rPr lang="pl-PL" sz="3600" dirty="0">
+                <a:latin typeface="Malleable-FP" panose="00000500000000000000" pitchFamily="50" charset="0"/>
+              </a:rPr>
+              <a:t>Redirection endpoint – cel przekierowania klienta</a:t>
+            </a:r>
+            <a:endParaRPr lang="en-GB" sz="3600" dirty="0">
+              <a:latin typeface="Malleable-FP" panose="00000500000000000000" pitchFamily="50" charset="0"/>
+            </a:endParaRPr>
           </a:p>
         </p:txBody>
       </p:sp>
@@ -7141,7 +7435,7 @@
             <a:fld id="{CD06142C-1AA4-405C-9DF3-638D73B05C27}" type="slidenum">
               <a:rPr lang="en-US" smtClean="0"/>
               <a:pPr/>
-              <a:t>4</a:t>
+              <a:t>13</a:t>
             </a:fld>
             <a:endParaRPr lang="en-US" dirty="0"/>
           </a:p>
@@ -7160,7 +7454,7 @@
 </p:sld>
 </file>
 
-<file path=ppt/slides/slide5.xml><?xml version="1.0" encoding="utf-8"?>
+<file path=ppt/slides/slide14.xml><?xml version="1.0" encoding="utf-8"?>
 <p:sld xmlns:a="http://schemas.openxmlformats.org/drawingml/2006/main" xmlns:r="http://schemas.openxmlformats.org/officeDocument/2006/relationships" xmlns:p="http://schemas.openxmlformats.org/presentationml/2006/main">
   <p:cSld>
     <p:spTree>
@@ -7195,7 +7489,7 @@
             <a:fld id="{CD06142C-1AA4-405C-9DF3-638D73B05C27}" type="slidenum">
               <a:rPr lang="en-US" smtClean="0"/>
               <a:pPr/>
-              <a:t>5</a:t>
+              <a:t>14</a:t>
             </a:fld>
             <a:endParaRPr lang="en-US" dirty="0"/>
           </a:p>
@@ -7244,7 +7538,7 @@
 </p:sld>
 </file>
 
-<file path=ppt/slides/slide6.xml><?xml version="1.0" encoding="utf-8"?>
+<file path=ppt/slides/slide15.xml><?xml version="1.0" encoding="utf-8"?>
 <p:sld xmlns:a="http://schemas.openxmlformats.org/drawingml/2006/main" xmlns:r="http://schemas.openxmlformats.org/officeDocument/2006/relationships" xmlns:p="http://schemas.openxmlformats.org/presentationml/2006/main">
   <p:cSld>
     <p:spTree>
@@ -7271,25 +7565,45 @@
             <p:ph type="body" sz="quarter" idx="13"/>
           </p:nvPr>
         </p:nvSpPr>
-        <p:spPr>
-          <a:xfrm>
-            <a:off x="557811" y="1165940"/>
-            <a:ext cx="4681846" cy="957299"/>
-          </a:xfrm>
-        </p:spPr>
+        <p:spPr/>
         <p:txBody>
           <a:bodyPr/>
           <a:lstStyle/>
           <a:p>
             <a:r>
-              <a:rPr lang="pl-PL" dirty="0">
-                <a:latin typeface="Calibri Light (Headings)"/>
-              </a:rPr>
+              <a:rPr lang="pl-PL" dirty="0"/>
               <a:t>Client Credentials</a:t>
             </a:r>
-            <a:endParaRPr lang="en-GB" dirty="0">
-              <a:latin typeface="Calibri Light (Headings)"/>
-            </a:endParaRPr>
+            <a:endParaRPr lang="en-GB" dirty="0"/>
+          </a:p>
+        </p:txBody>
+      </p:sp>
+      <p:sp>
+        <p:nvSpPr>
+          <p:cNvPr id="2" name="Text Placeholder 1"/>
+          <p:cNvSpPr>
+            <a:spLocks noGrp="1"/>
+          </p:cNvSpPr>
+          <p:nvPr>
+            <p:ph type="body" sz="quarter" idx="14"/>
+          </p:nvPr>
+        </p:nvSpPr>
+        <p:spPr/>
+        <p:txBody>
+          <a:bodyPr/>
+          <a:lstStyle/>
+          <a:p>
+            <a:r>
+              <a:rPr lang="pl-PL" dirty="0"/>
+              <a:t>Only for confidential clients</a:t>
+            </a:r>
+          </a:p>
+          <a:p>
+            <a:r>
+              <a:rPr lang="pl-PL" dirty="0"/>
+              <a:t>Client credentials: client id, client secret</a:t>
+            </a:r>
+            <a:endParaRPr lang="en-GB" dirty="0"/>
           </a:p>
         </p:txBody>
       </p:sp>
@@ -7311,7 +7625,7 @@
             <a:fld id="{CD06142C-1AA4-405C-9DF3-638D73B05C27}" type="slidenum">
               <a:rPr lang="en-US" smtClean="0"/>
               <a:pPr/>
-              <a:t>6</a:t>
+              <a:t>15</a:t>
             </a:fld>
             <a:endParaRPr lang="en-US" dirty="0"/>
           </a:p>
@@ -7333,7 +7647,7 @@
         </p:blipFill>
         <p:spPr>
           <a:xfrm>
-            <a:off x="672029" y="2599981"/>
+            <a:off x="675732" y="3171481"/>
             <a:ext cx="7978923" cy="2435358"/>
           </a:xfrm>
           <a:prstGeom prst="rect">
@@ -7354,7 +7668,7 @@
 </p:sld>
 </file>
 
-<file path=ppt/slides/slide7.xml><?xml version="1.0" encoding="utf-8"?>
+<file path=ppt/slides/slide16.xml><?xml version="1.0" encoding="utf-8"?>
 <p:sld xmlns:a="http://schemas.openxmlformats.org/drawingml/2006/main" xmlns:r="http://schemas.openxmlformats.org/officeDocument/2006/relationships" xmlns:p="http://schemas.openxmlformats.org/presentationml/2006/main">
   <p:cSld>
     <p:spTree>
@@ -7392,10 +7706,14 @@
           <a:lstStyle/>
           <a:p>
             <a:r>
-              <a:rPr lang="pl-PL" dirty="0"/>
+              <a:rPr lang="pl-PL" dirty="0">
+                <a:latin typeface="Malleable-FP" panose="00000500000000000000" pitchFamily="50" charset="0"/>
+              </a:rPr>
               <a:t>Implicit Flow</a:t>
             </a:r>
-            <a:endParaRPr lang="en-GB" dirty="0"/>
+            <a:endParaRPr lang="en-GB" dirty="0">
+              <a:latin typeface="Malleable-FP" panose="00000500000000000000" pitchFamily="50" charset="0"/>
+            </a:endParaRPr>
           </a:p>
         </p:txBody>
       </p:sp>
@@ -7425,7 +7743,7 @@
             <a:fld id="{CD06142C-1AA4-405C-9DF3-638D73B05C27}" type="slidenum">
               <a:rPr lang="en-US" smtClean="0"/>
               <a:pPr/>
-              <a:t>7</a:t>
+              <a:t>16</a:t>
             </a:fld>
             <a:endParaRPr lang="en-US" dirty="0"/>
           </a:p>
@@ -7468,7 +7786,7 @@
 </p:sld>
 </file>
 
-<file path=ppt/slides/slide8.xml><?xml version="1.0" encoding="utf-8"?>
+<file path=ppt/slides/slide17.xml><?xml version="1.0" encoding="utf-8"?>
 <p:sld xmlns:a="http://schemas.openxmlformats.org/drawingml/2006/main" xmlns:r="http://schemas.openxmlformats.org/officeDocument/2006/relationships" xmlns:p="http://schemas.openxmlformats.org/presentationml/2006/main">
   <p:cSld>
     <p:spTree>
@@ -7506,10 +7824,14 @@
           <a:lstStyle/>
           <a:p>
             <a:r>
-              <a:rPr lang="pl-PL" dirty="0"/>
+              <a:rPr lang="pl-PL" dirty="0">
+                <a:latin typeface="Malleable-FP" panose="00000500000000000000" pitchFamily="50" charset="0"/>
+              </a:rPr>
               <a:t>Authorization Code</a:t>
             </a:r>
-            <a:endParaRPr lang="en-GB" dirty="0"/>
+            <a:endParaRPr lang="en-GB" dirty="0">
+              <a:latin typeface="Malleable-FP" panose="00000500000000000000" pitchFamily="50" charset="0"/>
+            </a:endParaRPr>
           </a:p>
         </p:txBody>
       </p:sp>
@@ -7539,7 +7861,7 @@
             <a:fld id="{CD06142C-1AA4-405C-9DF3-638D73B05C27}" type="slidenum">
               <a:rPr lang="en-US" smtClean="0"/>
               <a:pPr/>
-              <a:t>8</a:t>
+              <a:t>17</a:t>
             </a:fld>
             <a:endParaRPr lang="en-US" dirty="0"/>
           </a:p>
@@ -7582,7 +7904,7 @@
 </p:sld>
 </file>
 
-<file path=ppt/slides/slide9.xml><?xml version="1.0" encoding="utf-8"?>
+<file path=ppt/slides/slide18.xml><?xml version="1.0" encoding="utf-8"?>
 <p:sld xmlns:a="http://schemas.openxmlformats.org/drawingml/2006/main" xmlns:r="http://schemas.openxmlformats.org/officeDocument/2006/relationships" xmlns:p="http://schemas.openxmlformats.org/presentationml/2006/main">
   <p:cSld>
     <p:spTree>
@@ -7601,7 +7923,7 @@
       </p:grpSpPr>
       <p:sp>
         <p:nvSpPr>
-          <p:cNvPr id="5" name="Text Placeholder 4"/>
+          <p:cNvPr id="4" name="Text Placeholder 3"/>
           <p:cNvSpPr>
             <a:spLocks noGrp="1"/>
           </p:cNvSpPr>
@@ -7611,8 +7933,8 @@
         </p:nvSpPr>
         <p:spPr>
           <a:xfrm>
-            <a:off x="5288097" y="2560389"/>
-            <a:ext cx="3487744" cy="4297611"/>
+            <a:off x="594124" y="1825625"/>
+            <a:ext cx="8060531" cy="3917950"/>
           </a:xfrm>
         </p:spPr>
         <p:txBody>
@@ -7620,62 +7942,38 @@
           <a:lstStyle/>
           <a:p>
             <a:r>
-              <a:rPr lang="pl-PL" sz="1800" dirty="0"/>
-              <a:t>Sub – user identity</a:t>
-            </a:r>
-            <a:endParaRPr lang="en-US" sz="1800" dirty="0"/>
-          </a:p>
-          <a:p>
-            <a:r>
-              <a:rPr lang="pl-PL" sz="1800" dirty="0"/>
-              <a:t>Iss – issuing authority</a:t>
-            </a:r>
-            <a:endParaRPr lang="en-US" sz="1800" dirty="0"/>
-          </a:p>
-          <a:p>
-            <a:r>
-              <a:rPr lang="pl-PL" sz="1800" dirty="0"/>
-              <a:t>Aud - audience</a:t>
-            </a:r>
-            <a:endParaRPr lang="en-US" sz="1800" dirty="0"/>
-          </a:p>
-          <a:p>
-            <a:r>
-              <a:rPr lang="pl-PL" sz="1800"/>
-              <a:t>Nonce</a:t>
-            </a:r>
-            <a:endParaRPr lang="en-US" sz="1800" dirty="0"/>
-          </a:p>
-          <a:p>
-            <a:r>
-              <a:rPr lang="pl-PL" sz="1800" dirty="0"/>
-              <a:t>Acr – authentication strength definition</a:t>
-            </a:r>
-            <a:endParaRPr lang="en-US" sz="1800" dirty="0"/>
-          </a:p>
-          <a:p>
-            <a:r>
-              <a:rPr lang="pl-PL" sz="1800" dirty="0"/>
-              <a:t>Exp – expidation time</a:t>
-            </a:r>
-            <a:endParaRPr lang="en-US" sz="1800" dirty="0"/>
-          </a:p>
-          <a:p>
-            <a:r>
-              <a:rPr lang="en-US" sz="1800" dirty="0"/>
-              <a:t>May include additional </a:t>
-            </a:r>
-            <a:r>
-              <a:rPr lang="pl-PL" sz="1800" dirty="0"/>
-              <a:t>user details</a:t>
-            </a:r>
-            <a:endParaRPr lang="en-US" sz="1800" dirty="0"/>
-          </a:p>
-          <a:p>
-            <a:r>
-              <a:rPr lang="en-US" sz="1800" dirty="0"/>
-              <a:t>Is digitally signed</a:t>
-            </a:r>
+              <a:rPr lang="pl-PL" dirty="0">
+                <a:latin typeface="Malleable-FP" panose="00000500000000000000" pitchFamily="50" charset="0"/>
+              </a:rPr>
+              <a:t>Warstwa zbudowana na Oauth 2.0 (access_token)</a:t>
+            </a:r>
+          </a:p>
+          <a:p>
+            <a:r>
+              <a:rPr lang="pl-PL" dirty="0">
+                <a:latin typeface="Malleable-FP" panose="00000500000000000000" pitchFamily="50" charset="0"/>
+              </a:rPr>
+              <a:t>Definiuje UserInfo endpoint</a:t>
+            </a:r>
+          </a:p>
+          <a:p>
+            <a:r>
+              <a:rPr lang="pl-PL" dirty="0">
+                <a:latin typeface="Malleable-FP" panose="00000500000000000000" pitchFamily="50" charset="0"/>
+              </a:rPr>
+              <a:t>Umożliwia pozystkanie id_token</a:t>
+            </a:r>
+          </a:p>
+          <a:p>
+            <a:r>
+              <a:rPr lang="pl-PL" dirty="0">
+                <a:latin typeface="Malleable-FP" panose="00000500000000000000" pitchFamily="50" charset="0"/>
+              </a:rPr>
+              <a:t>Rozszerza Hybrid i Authorization Code</a:t>
+            </a:r>
+            <a:endParaRPr lang="en-GB" dirty="0">
+              <a:latin typeface="Malleable-FP" panose="00000500000000000000" pitchFamily="50" charset="0"/>
+            </a:endParaRPr>
           </a:p>
         </p:txBody>
       </p:sp>
@@ -7691,8 +7989,8 @@
         </p:nvSpPr>
         <p:spPr>
           <a:xfrm>
-            <a:off x="535531" y="1092334"/>
-            <a:ext cx="7886700" cy="1325562"/>
+            <a:off x="594124" y="965200"/>
+            <a:ext cx="7886700" cy="739775"/>
           </a:xfrm>
           <a:prstGeom prst="rect">
             <a:avLst/>
@@ -7703,16 +8001,20 @@
           <a:lstStyle/>
           <a:p>
             <a:r>
-              <a:rPr lang="pl-PL" dirty="0"/>
-              <a:t>OpenID token</a:t>
-            </a:r>
-            <a:endParaRPr lang="en-GB" dirty="0"/>
+              <a:rPr lang="pl-PL" dirty="0">
+                <a:latin typeface="Malleable-FP" panose="00000500000000000000" pitchFamily="50" charset="0"/>
+              </a:rPr>
+              <a:t>OpenID Connect</a:t>
+            </a:r>
+            <a:endParaRPr lang="en-GB" dirty="0">
+              <a:latin typeface="Malleable-FP" panose="00000500000000000000" pitchFamily="50" charset="0"/>
+            </a:endParaRPr>
           </a:p>
         </p:txBody>
       </p:sp>
       <p:pic>
         <p:nvPicPr>
-          <p:cNvPr id="3" name="Picture 2"/>
+          <p:cNvPr id="5" name="Picture 4"/>
           <p:cNvPicPr>
             <a:picLocks noChangeAspect="1"/>
           </p:cNvPicPr>
@@ -7726,8 +8028,8 @@
         </p:blipFill>
         <p:spPr>
           <a:xfrm>
-            <a:off x="622669" y="2417896"/>
-            <a:ext cx="4311818" cy="2930487"/>
+            <a:off x="2438399" y="3742883"/>
+            <a:ext cx="6524625" cy="2476941"/>
           </a:xfrm>
           <a:prstGeom prst="rect">
             <a:avLst/>
@@ -7737,7 +8039,1332 @@
     </p:spTree>
     <p:extLst>
       <p:ext uri="{BB962C8B-B14F-4D97-AF65-F5344CB8AC3E}">
-        <p14:creationId xmlns:p14="http://schemas.microsoft.com/office/powerpoint/2010/main" val="3322865010"/>
+        <p14:creationId xmlns:p14="http://schemas.microsoft.com/office/powerpoint/2010/main" val="3968695730"/>
+      </p:ext>
+    </p:extLst>
+  </p:cSld>
+  <p:clrMapOvr>
+    <a:masterClrMapping/>
+  </p:clrMapOvr>
+</p:sld>
+</file>
+
+<file path=ppt/slides/slide19.xml><?xml version="1.0" encoding="utf-8"?>
+<p:sld xmlns:a="http://schemas.openxmlformats.org/drawingml/2006/main" xmlns:r="http://schemas.openxmlformats.org/officeDocument/2006/relationships" xmlns:p="http://schemas.openxmlformats.org/presentationml/2006/main">
+  <p:cSld>
+    <p:spTree>
+      <p:nvGrpSpPr>
+        <p:cNvPr id="1" name=""/>
+        <p:cNvGrpSpPr/>
+        <p:nvPr/>
+      </p:nvGrpSpPr>
+      <p:grpSpPr>
+        <a:xfrm>
+          <a:off x="0" y="0"/>
+          <a:ext cx="0" cy="0"/>
+          <a:chOff x="0" y="0"/>
+          <a:chExt cx="0" cy="0"/>
+        </a:xfrm>
+      </p:grpSpPr>
+      <p:sp>
+        <p:nvSpPr>
+          <p:cNvPr id="2" name="Text Placeholder 1"/>
+          <p:cNvSpPr>
+            <a:spLocks noGrp="1"/>
+          </p:cNvSpPr>
+          <p:nvPr>
+            <p:ph type="body" sz="quarter" idx="13"/>
+          </p:nvPr>
+        </p:nvSpPr>
+        <p:spPr>
+          <a:xfrm>
+            <a:off x="594124" y="1286093"/>
+            <a:ext cx="4681846" cy="957299"/>
+          </a:xfrm>
+        </p:spPr>
+        <p:txBody>
+          <a:bodyPr/>
+          <a:lstStyle/>
+          <a:p>
+            <a:r>
+              <a:rPr lang="pl-PL" dirty="0"/>
+              <a:t>Źródła</a:t>
+            </a:r>
+            <a:endParaRPr lang="en-GB" dirty="0"/>
+          </a:p>
+        </p:txBody>
+      </p:sp>
+      <p:sp>
+        <p:nvSpPr>
+          <p:cNvPr id="3" name="Text Placeholder 2"/>
+          <p:cNvSpPr>
+            <a:spLocks noGrp="1"/>
+          </p:cNvSpPr>
+          <p:nvPr>
+            <p:ph type="body" sz="quarter" idx="14"/>
+          </p:nvPr>
+        </p:nvSpPr>
+        <p:spPr/>
+        <p:txBody>
+          <a:bodyPr/>
+          <a:lstStyle/>
+          <a:p>
+            <a:r>
+              <a:rPr lang="pl-PL" dirty="0">
+                <a:latin typeface="Malleable-FP" panose="00000500000000000000" pitchFamily="50" charset="0"/>
+              </a:rPr>
+              <a:t>Kevin Dockx - </a:t>
+            </a:r>
+            <a:r>
+              <a:rPr lang="en-US" dirty="0">
+                <a:latin typeface="Malleable-FP" panose="00000500000000000000" pitchFamily="50" charset="0"/>
+              </a:rPr>
+              <a:t>OAuth2 and OpenID Connect Strategies for Angular and ASP.NET</a:t>
+            </a:r>
+            <a:endParaRPr lang="en-US" dirty="0">
+              <a:latin typeface="Malleable-FP" panose="00000500000000000000" pitchFamily="50" charset="0"/>
+              <a:hlinkClick r:id="rId2" tooltip="OAuth2 and OpenID Connect Strategies for Angular and ASP.NET"/>
+            </a:endParaRPr>
+          </a:p>
+          <a:p>
+            <a:r>
+              <a:rPr lang="pl-PL" dirty="0">
+                <a:latin typeface="Malleable-FP" panose="00000500000000000000" pitchFamily="50" charset="0"/>
+              </a:rPr>
+              <a:t>Kevin Dockx - </a:t>
+            </a:r>
+            <a:r>
+              <a:rPr lang="en-US" dirty="0">
+                <a:latin typeface="Malleable-FP" panose="00000500000000000000" pitchFamily="50" charset="0"/>
+              </a:rPr>
+              <a:t>Building and Securing a RESTful API for Multiple Clients in ASP.NET</a:t>
+            </a:r>
+            <a:endParaRPr lang="en-US" dirty="0">
+              <a:latin typeface="Malleable-FP" panose="00000500000000000000" pitchFamily="50" charset="0"/>
+              <a:hlinkClick r:id="rId3" tooltip="Building and Securing a RESTful API for Multiple Clients in ASP.NET"/>
+            </a:endParaRPr>
+          </a:p>
+          <a:p>
+            <a:r>
+              <a:rPr lang="en-GB" dirty="0">
+                <a:latin typeface="Malleable-FP" panose="00000500000000000000" pitchFamily="50" charset="0"/>
+              </a:rPr>
+              <a:t>https://github.com/IdentityServer/IdentityServer3</a:t>
+            </a:r>
+            <a:endParaRPr lang="pl-PL" dirty="0">
+              <a:latin typeface="Malleable-FP" panose="00000500000000000000" pitchFamily="50" charset="0"/>
+            </a:endParaRPr>
+          </a:p>
+          <a:p>
+            <a:r>
+              <a:rPr lang="en-GB" dirty="0">
+                <a:latin typeface="Malleable-FP" panose="00000500000000000000" pitchFamily="50" charset="0"/>
+              </a:rPr>
+              <a:t>https://jwt.io/</a:t>
+            </a:r>
+          </a:p>
+        </p:txBody>
+      </p:sp>
+      <p:sp>
+        <p:nvSpPr>
+          <p:cNvPr id="4" name="Slide Number Placeholder 3"/>
+          <p:cNvSpPr>
+            <a:spLocks noGrp="1"/>
+          </p:cNvSpPr>
+          <p:nvPr>
+            <p:ph type="sldNum" sz="quarter" idx="4"/>
+          </p:nvPr>
+        </p:nvSpPr>
+        <p:spPr/>
+        <p:txBody>
+          <a:bodyPr/>
+          <a:lstStyle/>
+          <a:p>
+            <a:fld id="{CD06142C-1AA4-405C-9DF3-638D73B05C27}" type="slidenum">
+              <a:rPr lang="en-US" smtClean="0"/>
+              <a:pPr/>
+              <a:t>19</a:t>
+            </a:fld>
+            <a:endParaRPr lang="en-US" dirty="0"/>
+          </a:p>
+        </p:txBody>
+      </p:sp>
+    </p:spTree>
+    <p:extLst>
+      <p:ext uri="{BB962C8B-B14F-4D97-AF65-F5344CB8AC3E}">
+        <p14:creationId xmlns:p14="http://schemas.microsoft.com/office/powerpoint/2010/main" val="3317697702"/>
+      </p:ext>
+    </p:extLst>
+  </p:cSld>
+  <p:clrMapOvr>
+    <a:masterClrMapping/>
+  </p:clrMapOvr>
+</p:sld>
+</file>
+
+<file path=ppt/slides/slide2.xml><?xml version="1.0" encoding="utf-8"?>
+<p:sld xmlns:a="http://schemas.openxmlformats.org/drawingml/2006/main" xmlns:r="http://schemas.openxmlformats.org/officeDocument/2006/relationships" xmlns:p="http://schemas.openxmlformats.org/presentationml/2006/main">
+  <p:cSld>
+    <p:spTree>
+      <p:nvGrpSpPr>
+        <p:cNvPr id="1" name=""/>
+        <p:cNvGrpSpPr/>
+        <p:nvPr/>
+      </p:nvGrpSpPr>
+      <p:grpSpPr>
+        <a:xfrm>
+          <a:off x="0" y="0"/>
+          <a:ext cx="0" cy="0"/>
+          <a:chOff x="0" y="0"/>
+          <a:chExt cx="0" cy="0"/>
+        </a:xfrm>
+      </p:grpSpPr>
+      <p:sp>
+        <p:nvSpPr>
+          <p:cNvPr id="2" name="Text Placeholder 1"/>
+          <p:cNvSpPr>
+            <a:spLocks noGrp="1"/>
+          </p:cNvSpPr>
+          <p:nvPr>
+            <p:ph type="body" sz="quarter" idx="13"/>
+          </p:nvPr>
+        </p:nvSpPr>
+        <p:spPr/>
+        <p:txBody>
+          <a:bodyPr/>
+          <a:lstStyle/>
+          <a:p>
+            <a:r>
+              <a:rPr lang="pl-PL" dirty="0"/>
+              <a:t>Plan</a:t>
+            </a:r>
+            <a:endParaRPr lang="en-GB" dirty="0"/>
+          </a:p>
+        </p:txBody>
+      </p:sp>
+      <p:sp>
+        <p:nvSpPr>
+          <p:cNvPr id="3" name="Text Placeholder 2"/>
+          <p:cNvSpPr>
+            <a:spLocks noGrp="1"/>
+          </p:cNvSpPr>
+          <p:nvPr>
+            <p:ph type="body" sz="quarter" idx="14"/>
+          </p:nvPr>
+        </p:nvSpPr>
+        <p:spPr/>
+        <p:txBody>
+          <a:bodyPr/>
+          <a:lstStyle/>
+          <a:p>
+            <a:r>
+              <a:rPr lang="pl-PL" dirty="0"/>
+              <a:t>Podstawowe definicje</a:t>
+            </a:r>
+          </a:p>
+          <a:p>
+            <a:r>
+              <a:rPr lang="pl-PL" dirty="0"/>
+              <a:t>Historia</a:t>
+            </a:r>
+          </a:p>
+          <a:p>
+            <a:r>
+              <a:rPr lang="pl-PL" dirty="0"/>
+              <a:t>Oauth 2.0</a:t>
+            </a:r>
+          </a:p>
+          <a:p>
+            <a:pPr lvl="1"/>
+            <a:r>
+              <a:rPr lang="pl-PL" dirty="0"/>
+              <a:t>Tokeny</a:t>
+            </a:r>
+          </a:p>
+          <a:p>
+            <a:pPr lvl="1"/>
+            <a:r>
+              <a:rPr lang="pl-PL" dirty="0"/>
+              <a:t>Client Credential flow</a:t>
+            </a:r>
+          </a:p>
+          <a:p>
+            <a:pPr lvl="1"/>
+            <a:r>
+              <a:rPr lang="pl-PL" dirty="0"/>
+              <a:t>Implicit flow</a:t>
+            </a:r>
+          </a:p>
+          <a:p>
+            <a:pPr lvl="1"/>
+            <a:r>
+              <a:rPr lang="pl-PL" dirty="0"/>
+              <a:t>Authorization Code flow</a:t>
+            </a:r>
+          </a:p>
+          <a:p>
+            <a:r>
+              <a:rPr lang="pl-PL" dirty="0"/>
+              <a:t>OpenId Connect</a:t>
+            </a:r>
+          </a:p>
+          <a:p>
+            <a:pPr lvl="1"/>
+            <a:r>
+              <a:rPr lang="pl-PL" dirty="0"/>
+              <a:t>Hybrid flow</a:t>
+            </a:r>
+            <a:endParaRPr lang="en-GB" dirty="0"/>
+          </a:p>
+        </p:txBody>
+      </p:sp>
+      <p:pic>
+        <p:nvPicPr>
+          <p:cNvPr id="4" name="Picture 3"/>
+          <p:cNvPicPr>
+            <a:picLocks noChangeAspect="1"/>
+          </p:cNvPicPr>
+          <p:nvPr/>
+        </p:nvPicPr>
+        <p:blipFill>
+          <a:blip r:embed="rId2"/>
+          <a:stretch>
+            <a:fillRect/>
+          </a:stretch>
+        </p:blipFill>
+        <p:spPr>
+          <a:xfrm>
+            <a:off x="6010498" y="2124074"/>
+            <a:ext cx="2181003" cy="2871723"/>
+          </a:xfrm>
+          <a:prstGeom prst="rect">
+            <a:avLst/>
+          </a:prstGeom>
+        </p:spPr>
+      </p:pic>
+    </p:spTree>
+    <p:extLst>
+      <p:ext uri="{BB962C8B-B14F-4D97-AF65-F5344CB8AC3E}">
+        <p14:creationId xmlns:p14="http://schemas.microsoft.com/office/powerpoint/2010/main" val="3994143363"/>
+      </p:ext>
+    </p:extLst>
+  </p:cSld>
+  <p:clrMapOvr>
+    <a:masterClrMapping/>
+  </p:clrMapOvr>
+</p:sld>
+</file>
+
+<file path=ppt/slides/slide20.xml><?xml version="1.0" encoding="utf-8"?>
+<p:sld xmlns:a="http://schemas.openxmlformats.org/drawingml/2006/main" xmlns:r="http://schemas.openxmlformats.org/officeDocument/2006/relationships" xmlns:p="http://schemas.openxmlformats.org/presentationml/2006/main">
+  <p:cSld>
+    <p:spTree>
+      <p:nvGrpSpPr>
+        <p:cNvPr id="1" name=""/>
+        <p:cNvGrpSpPr/>
+        <p:nvPr/>
+      </p:nvGrpSpPr>
+      <p:grpSpPr>
+        <a:xfrm>
+          <a:off x="0" y="0"/>
+          <a:ext cx="0" cy="0"/>
+          <a:chOff x="0" y="0"/>
+          <a:chExt cx="0" cy="0"/>
+        </a:xfrm>
+      </p:grpSpPr>
+      <p:sp>
+        <p:nvSpPr>
+          <p:cNvPr id="2" name="Title 1"/>
+          <p:cNvSpPr>
+            <a:spLocks noGrp="1"/>
+          </p:cNvSpPr>
+          <p:nvPr>
+            <p:ph type="ctrTitle"/>
+          </p:nvPr>
+        </p:nvSpPr>
+        <p:spPr/>
+        <p:txBody>
+          <a:bodyPr/>
+          <a:lstStyle/>
+          <a:p>
+            <a:endParaRPr lang="en-US"/>
+          </a:p>
+        </p:txBody>
+      </p:sp>
+    </p:spTree>
+    <p:extLst>
+      <p:ext uri="{BB962C8B-B14F-4D97-AF65-F5344CB8AC3E}">
+        <p14:creationId xmlns:p14="http://schemas.microsoft.com/office/powerpoint/2010/main" val="2967175098"/>
+      </p:ext>
+    </p:extLst>
+  </p:cSld>
+  <p:clrMapOvr>
+    <a:masterClrMapping/>
+  </p:clrMapOvr>
+</p:sld>
+</file>
+
+<file path=ppt/slides/slide3.xml><?xml version="1.0" encoding="utf-8"?>
+<p:sld xmlns:a="http://schemas.openxmlformats.org/drawingml/2006/main" xmlns:r="http://schemas.openxmlformats.org/officeDocument/2006/relationships" xmlns:p="http://schemas.openxmlformats.org/presentationml/2006/main">
+  <p:cSld>
+    <p:spTree>
+      <p:nvGrpSpPr>
+        <p:cNvPr id="1" name=""/>
+        <p:cNvGrpSpPr/>
+        <p:nvPr/>
+      </p:nvGrpSpPr>
+      <p:grpSpPr>
+        <a:xfrm>
+          <a:off x="0" y="0"/>
+          <a:ext cx="0" cy="0"/>
+          <a:chOff x="0" y="0"/>
+          <a:chExt cx="0" cy="0"/>
+        </a:xfrm>
+      </p:grpSpPr>
+      <p:sp>
+        <p:nvSpPr>
+          <p:cNvPr id="4" name="Text Placeholder 3"/>
+          <p:cNvSpPr>
+            <a:spLocks noGrp="1"/>
+          </p:cNvSpPr>
+          <p:nvPr>
+            <p:ph type="body" sz="quarter" idx="14"/>
+          </p:nvPr>
+        </p:nvSpPr>
+        <p:spPr/>
+        <p:txBody>
+          <a:bodyPr/>
+          <a:lstStyle/>
+          <a:p>
+            <a:r>
+              <a:rPr lang="pl-PL" dirty="0">
+                <a:latin typeface="Malleable-FP" panose="00000500000000000000" pitchFamily="50" charset="0"/>
+              </a:rPr>
+              <a:t>Autoryzacja (Authorization) – kontrola dostępu</a:t>
+            </a:r>
+          </a:p>
+          <a:p>
+            <a:endParaRPr lang="pl-PL" dirty="0">
+              <a:latin typeface="Malleable-FP" panose="00000500000000000000" pitchFamily="50" charset="0"/>
+            </a:endParaRPr>
+          </a:p>
+          <a:p>
+            <a:endParaRPr lang="pl-PL" dirty="0">
+              <a:latin typeface="Malleable-FP" panose="00000500000000000000" pitchFamily="50" charset="0"/>
+            </a:endParaRPr>
+          </a:p>
+          <a:p>
+            <a:r>
+              <a:rPr lang="pl-PL" dirty="0">
+                <a:latin typeface="Malleable-FP" panose="00000500000000000000" pitchFamily="50" charset="0"/>
+              </a:rPr>
+              <a:t>Authentication – tożsamość użytkownika</a:t>
+            </a:r>
+          </a:p>
+          <a:p>
+            <a:endParaRPr lang="pl-PL" dirty="0">
+              <a:latin typeface="Malleable-FP" panose="00000500000000000000" pitchFamily="50" charset="0"/>
+            </a:endParaRPr>
+          </a:p>
+          <a:p>
+            <a:endParaRPr lang="en-GB" dirty="0">
+              <a:latin typeface="Malleable-FP" panose="00000500000000000000" pitchFamily="50" charset="0"/>
+            </a:endParaRPr>
+          </a:p>
+        </p:txBody>
+      </p:sp>
+      <p:sp>
+        <p:nvSpPr>
+          <p:cNvPr id="2" name="Title 1"/>
+          <p:cNvSpPr>
+            <a:spLocks noGrp="1"/>
+          </p:cNvSpPr>
+          <p:nvPr>
+            <p:ph type="title" idx="4294967295"/>
+          </p:nvPr>
+        </p:nvSpPr>
+        <p:spPr>
+          <a:xfrm>
+            <a:off x="594124" y="1089025"/>
+            <a:ext cx="7886700" cy="1325563"/>
+          </a:xfrm>
+          <a:prstGeom prst="rect">
+            <a:avLst/>
+          </a:prstGeom>
+        </p:spPr>
+        <p:txBody>
+          <a:bodyPr/>
+          <a:lstStyle/>
+          <a:p>
+            <a:r>
+              <a:rPr lang="pl-PL" dirty="0">
+                <a:latin typeface="Malleable-FP" panose="00000500000000000000" pitchFamily="50" charset="0"/>
+              </a:rPr>
+              <a:t>Podstawowe definicje</a:t>
+            </a:r>
+            <a:endParaRPr lang="en-GB" dirty="0">
+              <a:latin typeface="Malleable-FP" panose="00000500000000000000" pitchFamily="50" charset="0"/>
+            </a:endParaRPr>
+          </a:p>
+        </p:txBody>
+      </p:sp>
+      <p:pic>
+        <p:nvPicPr>
+          <p:cNvPr id="5" name="Picture 4"/>
+          <p:cNvPicPr>
+            <a:picLocks noChangeAspect="1"/>
+          </p:cNvPicPr>
+          <p:nvPr/>
+        </p:nvPicPr>
+        <p:blipFill>
+          <a:blip r:embed="rId2"/>
+          <a:stretch>
+            <a:fillRect/>
+          </a:stretch>
+        </p:blipFill>
+        <p:spPr>
+          <a:xfrm>
+            <a:off x="1240632" y="3767576"/>
+            <a:ext cx="6767513" cy="1866462"/>
+          </a:xfrm>
+          <a:prstGeom prst="rect">
+            <a:avLst/>
+          </a:prstGeom>
+        </p:spPr>
+      </p:pic>
+      <p:pic>
+        <p:nvPicPr>
+          <p:cNvPr id="6" name="Picture 5"/>
+          <p:cNvPicPr>
+            <a:picLocks noChangeAspect="1"/>
+          </p:cNvPicPr>
+          <p:nvPr/>
+        </p:nvPicPr>
+        <p:blipFill>
+          <a:blip r:embed="rId3"/>
+          <a:stretch>
+            <a:fillRect/>
+          </a:stretch>
+        </p:blipFill>
+        <p:spPr>
+          <a:xfrm>
+            <a:off x="5983334" y="1703826"/>
+            <a:ext cx="2024811" cy="2063750"/>
+          </a:xfrm>
+          <a:prstGeom prst="rect">
+            <a:avLst/>
+          </a:prstGeom>
+        </p:spPr>
+      </p:pic>
+    </p:spTree>
+    <p:extLst>
+      <p:ext uri="{BB962C8B-B14F-4D97-AF65-F5344CB8AC3E}">
+        <p14:creationId xmlns:p14="http://schemas.microsoft.com/office/powerpoint/2010/main" val="2067217200"/>
+      </p:ext>
+    </p:extLst>
+  </p:cSld>
+  <p:clrMapOvr>
+    <a:masterClrMapping/>
+  </p:clrMapOvr>
+</p:sld>
+</file>
+
+<file path=ppt/slides/slide4.xml><?xml version="1.0" encoding="utf-8"?>
+<p:sld xmlns:a="http://schemas.openxmlformats.org/drawingml/2006/main" xmlns:r="http://schemas.openxmlformats.org/officeDocument/2006/relationships" xmlns:p="http://schemas.openxmlformats.org/presentationml/2006/main">
+  <p:cSld>
+    <p:spTree>
+      <p:nvGrpSpPr>
+        <p:cNvPr id="1" name=""/>
+        <p:cNvGrpSpPr/>
+        <p:nvPr/>
+      </p:nvGrpSpPr>
+      <p:grpSpPr>
+        <a:xfrm>
+          <a:off x="0" y="0"/>
+          <a:ext cx="0" cy="0"/>
+          <a:chOff x="0" y="0"/>
+          <a:chExt cx="0" cy="0"/>
+        </a:xfrm>
+      </p:grpSpPr>
+      <p:sp>
+        <p:nvSpPr>
+          <p:cNvPr id="2" name="Text Placeholder 1"/>
+          <p:cNvSpPr>
+            <a:spLocks noGrp="1"/>
+          </p:cNvSpPr>
+          <p:nvPr>
+            <p:ph type="body" sz="quarter" idx="13"/>
+          </p:nvPr>
+        </p:nvSpPr>
+        <p:spPr/>
+        <p:txBody>
+          <a:bodyPr/>
+          <a:lstStyle/>
+          <a:p>
+            <a:r>
+              <a:rPr lang="pl-PL" dirty="0"/>
+              <a:t>Forms authentication</a:t>
+            </a:r>
+            <a:endParaRPr lang="en-GB" dirty="0"/>
+          </a:p>
+        </p:txBody>
+      </p:sp>
+      <p:sp>
+        <p:nvSpPr>
+          <p:cNvPr id="4" name="Slide Number Placeholder 3"/>
+          <p:cNvSpPr>
+            <a:spLocks noGrp="1"/>
+          </p:cNvSpPr>
+          <p:nvPr>
+            <p:ph type="sldNum" sz="quarter" idx="4"/>
+          </p:nvPr>
+        </p:nvSpPr>
+        <p:spPr/>
+        <p:txBody>
+          <a:bodyPr/>
+          <a:lstStyle/>
+          <a:p>
+            <a:fld id="{CD06142C-1AA4-405C-9DF3-638D73B05C27}" type="slidenum">
+              <a:rPr lang="en-US" smtClean="0"/>
+              <a:pPr/>
+              <a:t>4</a:t>
+            </a:fld>
+            <a:endParaRPr lang="en-US" dirty="0"/>
+          </a:p>
+        </p:txBody>
+      </p:sp>
+      <p:pic>
+        <p:nvPicPr>
+          <p:cNvPr id="5" name="Picture 4"/>
+          <p:cNvPicPr>
+            <a:picLocks noChangeAspect="1"/>
+          </p:cNvPicPr>
+          <p:nvPr/>
+        </p:nvPicPr>
+        <p:blipFill>
+          <a:blip r:embed="rId2"/>
+          <a:stretch>
+            <a:fillRect/>
+          </a:stretch>
+        </p:blipFill>
+        <p:spPr>
+          <a:xfrm>
+            <a:off x="594097" y="2000250"/>
+            <a:ext cx="8352738" cy="3624516"/>
+          </a:xfrm>
+          <a:prstGeom prst="rect">
+            <a:avLst/>
+          </a:prstGeom>
+        </p:spPr>
+      </p:pic>
+    </p:spTree>
+    <p:extLst>
+      <p:ext uri="{BB962C8B-B14F-4D97-AF65-F5344CB8AC3E}">
+        <p14:creationId xmlns:p14="http://schemas.microsoft.com/office/powerpoint/2010/main" val="239052572"/>
+      </p:ext>
+    </p:extLst>
+  </p:cSld>
+  <p:clrMapOvr>
+    <a:masterClrMapping/>
+  </p:clrMapOvr>
+</p:sld>
+</file>
+
+<file path=ppt/slides/slide5.xml><?xml version="1.0" encoding="utf-8"?>
+<p:sld xmlns:a="http://schemas.openxmlformats.org/drawingml/2006/main" xmlns:r="http://schemas.openxmlformats.org/officeDocument/2006/relationships" xmlns:p="http://schemas.openxmlformats.org/presentationml/2006/main">
+  <p:cSld>
+    <p:spTree>
+      <p:nvGrpSpPr>
+        <p:cNvPr id="1" name=""/>
+        <p:cNvGrpSpPr/>
+        <p:nvPr/>
+      </p:nvGrpSpPr>
+      <p:grpSpPr>
+        <a:xfrm>
+          <a:off x="0" y="0"/>
+          <a:ext cx="0" cy="0"/>
+          <a:chOff x="0" y="0"/>
+          <a:chExt cx="0" cy="0"/>
+        </a:xfrm>
+      </p:grpSpPr>
+      <p:sp>
+        <p:nvSpPr>
+          <p:cNvPr id="3" name="Text Placeholder 2"/>
+          <p:cNvSpPr>
+            <a:spLocks noGrp="1"/>
+          </p:cNvSpPr>
+          <p:nvPr>
+            <p:ph type="body" sz="quarter" idx="14"/>
+          </p:nvPr>
+        </p:nvSpPr>
+        <p:spPr>
+          <a:xfrm>
+            <a:off x="594097" y="1454150"/>
+            <a:ext cx="8060531" cy="3917950"/>
+          </a:xfrm>
+        </p:spPr>
+        <p:txBody>
+          <a:bodyPr/>
+          <a:lstStyle/>
+          <a:p>
+            <a:r>
+              <a:rPr lang="pl-PL" sz="2800" dirty="0"/>
+              <a:t>Forms authentication</a:t>
+            </a:r>
+          </a:p>
+          <a:p>
+            <a:pPr marL="0" indent="0">
+              <a:buNone/>
+            </a:pPr>
+            <a:endParaRPr lang="pl-PL" sz="2800" dirty="0"/>
+          </a:p>
+          <a:p>
+            <a:pPr lvl="1"/>
+            <a:r>
+              <a:rPr lang="pl-PL" sz="2800" dirty="0"/>
+              <a:t>Token in cookie or querystring</a:t>
+            </a:r>
+          </a:p>
+          <a:p>
+            <a:pPr marL="342900" lvl="1" indent="0">
+              <a:buNone/>
+            </a:pPr>
+            <a:endParaRPr lang="pl-PL" sz="2800" dirty="0"/>
+          </a:p>
+          <a:p>
+            <a:pPr lvl="1"/>
+            <a:r>
+              <a:rPr lang="pl-PL" sz="2800" dirty="0"/>
+              <a:t>Exclusively for web pages</a:t>
+            </a:r>
+          </a:p>
+          <a:p>
+            <a:pPr marL="342900" lvl="1" indent="0">
+              <a:buNone/>
+            </a:pPr>
+            <a:endParaRPr lang="pl-PL" sz="2800" dirty="0"/>
+          </a:p>
+          <a:p>
+            <a:pPr lvl="1"/>
+            <a:r>
+              <a:rPr lang="pl-PL" sz="2800" dirty="0"/>
+              <a:t>No security for the API</a:t>
+            </a:r>
+            <a:endParaRPr lang="en-GB" sz="2800" dirty="0"/>
+          </a:p>
+        </p:txBody>
+      </p:sp>
+      <p:sp>
+        <p:nvSpPr>
+          <p:cNvPr id="4" name="Slide Number Placeholder 3"/>
+          <p:cNvSpPr>
+            <a:spLocks noGrp="1"/>
+          </p:cNvSpPr>
+          <p:nvPr>
+            <p:ph type="sldNum" sz="quarter" idx="4"/>
+          </p:nvPr>
+        </p:nvSpPr>
+        <p:spPr/>
+        <p:txBody>
+          <a:bodyPr/>
+          <a:lstStyle/>
+          <a:p>
+            <a:fld id="{CD06142C-1AA4-405C-9DF3-638D73B05C27}" type="slidenum">
+              <a:rPr lang="en-US" smtClean="0"/>
+              <a:pPr/>
+              <a:t>5</a:t>
+            </a:fld>
+            <a:endParaRPr lang="en-US" dirty="0"/>
+          </a:p>
+        </p:txBody>
+      </p:sp>
+    </p:spTree>
+    <p:extLst>
+      <p:ext uri="{BB962C8B-B14F-4D97-AF65-F5344CB8AC3E}">
+        <p14:creationId xmlns:p14="http://schemas.microsoft.com/office/powerpoint/2010/main" val="4186484143"/>
+      </p:ext>
+    </p:extLst>
+  </p:cSld>
+  <p:clrMapOvr>
+    <a:masterClrMapping/>
+  </p:clrMapOvr>
+</p:sld>
+</file>
+
+<file path=ppt/slides/slide6.xml><?xml version="1.0" encoding="utf-8"?>
+<p:sld xmlns:a="http://schemas.openxmlformats.org/drawingml/2006/main" xmlns:r="http://schemas.openxmlformats.org/officeDocument/2006/relationships" xmlns:p="http://schemas.openxmlformats.org/presentationml/2006/main">
+  <p:cSld>
+    <p:spTree>
+      <p:nvGrpSpPr>
+        <p:cNvPr id="1" name=""/>
+        <p:cNvGrpSpPr/>
+        <p:nvPr/>
+      </p:nvGrpSpPr>
+      <p:grpSpPr>
+        <a:xfrm>
+          <a:off x="0" y="0"/>
+          <a:ext cx="0" cy="0"/>
+          <a:chOff x="0" y="0"/>
+          <a:chExt cx="0" cy="0"/>
+        </a:xfrm>
+      </p:grpSpPr>
+      <p:sp>
+        <p:nvSpPr>
+          <p:cNvPr id="2" name="Text Placeholder 1"/>
+          <p:cNvSpPr>
+            <a:spLocks noGrp="1"/>
+          </p:cNvSpPr>
+          <p:nvPr>
+            <p:ph type="body" sz="quarter" idx="13"/>
+          </p:nvPr>
+        </p:nvSpPr>
+        <p:spPr/>
+        <p:txBody>
+          <a:bodyPr/>
+          <a:lstStyle/>
+          <a:p>
+            <a:r>
+              <a:rPr lang="pl-PL" dirty="0"/>
+              <a:t>Passive Federation</a:t>
+            </a:r>
+            <a:endParaRPr lang="en-GB" dirty="0"/>
+          </a:p>
+        </p:txBody>
+      </p:sp>
+      <p:sp>
+        <p:nvSpPr>
+          <p:cNvPr id="4" name="Slide Number Placeholder 3"/>
+          <p:cNvSpPr>
+            <a:spLocks noGrp="1"/>
+          </p:cNvSpPr>
+          <p:nvPr>
+            <p:ph type="sldNum" sz="quarter" idx="4"/>
+          </p:nvPr>
+        </p:nvSpPr>
+        <p:spPr/>
+        <p:txBody>
+          <a:bodyPr/>
+          <a:lstStyle/>
+          <a:p>
+            <a:fld id="{CD06142C-1AA4-405C-9DF3-638D73B05C27}" type="slidenum">
+              <a:rPr lang="en-US" smtClean="0"/>
+              <a:pPr/>
+              <a:t>6</a:t>
+            </a:fld>
+            <a:endParaRPr lang="en-US" dirty="0"/>
+          </a:p>
+        </p:txBody>
+      </p:sp>
+      <p:pic>
+        <p:nvPicPr>
+          <p:cNvPr id="6" name="Picture 5"/>
+          <p:cNvPicPr>
+            <a:picLocks noChangeAspect="1"/>
+          </p:cNvPicPr>
+          <p:nvPr/>
+        </p:nvPicPr>
+        <p:blipFill>
+          <a:blip r:embed="rId2"/>
+          <a:stretch>
+            <a:fillRect/>
+          </a:stretch>
+        </p:blipFill>
+        <p:spPr>
+          <a:xfrm>
+            <a:off x="461375" y="1676400"/>
+            <a:ext cx="8538420" cy="3672142"/>
+          </a:xfrm>
+          <a:prstGeom prst="rect">
+            <a:avLst/>
+          </a:prstGeom>
+        </p:spPr>
+      </p:pic>
+    </p:spTree>
+    <p:extLst>
+      <p:ext uri="{BB962C8B-B14F-4D97-AF65-F5344CB8AC3E}">
+        <p14:creationId xmlns:p14="http://schemas.microsoft.com/office/powerpoint/2010/main" val="1585347483"/>
+      </p:ext>
+    </p:extLst>
+  </p:cSld>
+  <p:clrMapOvr>
+    <a:masterClrMapping/>
+  </p:clrMapOvr>
+</p:sld>
+</file>
+
+<file path=ppt/slides/slide7.xml><?xml version="1.0" encoding="utf-8"?>
+<p:sld xmlns:a="http://schemas.openxmlformats.org/drawingml/2006/main" xmlns:r="http://schemas.openxmlformats.org/officeDocument/2006/relationships" xmlns:p="http://schemas.openxmlformats.org/presentationml/2006/main">
+  <p:cSld>
+    <p:spTree>
+      <p:nvGrpSpPr>
+        <p:cNvPr id="1" name=""/>
+        <p:cNvGrpSpPr/>
+        <p:nvPr/>
+      </p:nvGrpSpPr>
+      <p:grpSpPr>
+        <a:xfrm>
+          <a:off x="0" y="0"/>
+          <a:ext cx="0" cy="0"/>
+          <a:chOff x="0" y="0"/>
+          <a:chExt cx="0" cy="0"/>
+        </a:xfrm>
+      </p:grpSpPr>
+      <p:sp>
+        <p:nvSpPr>
+          <p:cNvPr id="2" name="Text Placeholder 1"/>
+          <p:cNvSpPr>
+            <a:spLocks noGrp="1"/>
+          </p:cNvSpPr>
+          <p:nvPr>
+            <p:ph type="body" sz="quarter" idx="13"/>
+          </p:nvPr>
+        </p:nvSpPr>
+        <p:spPr/>
+        <p:txBody>
+          <a:bodyPr/>
+          <a:lstStyle/>
+          <a:p>
+            <a:r>
+              <a:rPr lang="pl-PL" dirty="0"/>
+              <a:t>Passive Federation</a:t>
+            </a:r>
+            <a:endParaRPr lang="en-GB" dirty="0"/>
+          </a:p>
+        </p:txBody>
+      </p:sp>
+      <p:sp>
+        <p:nvSpPr>
+          <p:cNvPr id="3" name="Text Placeholder 2"/>
+          <p:cNvSpPr>
+            <a:spLocks noGrp="1"/>
+          </p:cNvSpPr>
+          <p:nvPr>
+            <p:ph type="body" sz="quarter" idx="14"/>
+          </p:nvPr>
+        </p:nvSpPr>
+        <p:spPr/>
+        <p:txBody>
+          <a:bodyPr/>
+          <a:lstStyle/>
+          <a:p>
+            <a:r>
+              <a:rPr lang="pl-PL" dirty="0">
+                <a:latin typeface="Malleable-FP" panose="00000500000000000000" pitchFamily="50" charset="0"/>
+              </a:rPr>
+              <a:t>W .NET: ws-federation, ws-security</a:t>
+            </a:r>
+          </a:p>
+          <a:p>
+            <a:r>
+              <a:rPr lang="pl-PL" dirty="0">
+                <a:latin typeface="Malleable-FP" panose="00000500000000000000" pitchFamily="50" charset="0"/>
+              </a:rPr>
+              <a:t>WCF, SOAP</a:t>
+            </a:r>
+          </a:p>
+          <a:p>
+            <a:r>
+              <a:rPr lang="pl-PL" dirty="0">
+                <a:latin typeface="Malleable-FP" panose="00000500000000000000" pitchFamily="50" charset="0"/>
+              </a:rPr>
+              <a:t>Do użycia tylko z technologiami .NET</a:t>
+            </a:r>
+          </a:p>
+          <a:p>
+            <a:r>
+              <a:rPr lang="pl-PL" dirty="0">
+                <a:latin typeface="Malleable-FP" panose="00000500000000000000" pitchFamily="50" charset="0"/>
+              </a:rPr>
+              <a:t>Zaufanie pomiędzy STS a klientem (niebezpieczne dla aplikacji mobilnych)</a:t>
+            </a:r>
+            <a:endParaRPr lang="en-GB" dirty="0">
+              <a:latin typeface="Malleable-FP" panose="00000500000000000000" pitchFamily="50" charset="0"/>
+            </a:endParaRPr>
+          </a:p>
+        </p:txBody>
+      </p:sp>
+      <p:sp>
+        <p:nvSpPr>
+          <p:cNvPr id="4" name="Slide Number Placeholder 3"/>
+          <p:cNvSpPr>
+            <a:spLocks noGrp="1"/>
+          </p:cNvSpPr>
+          <p:nvPr>
+            <p:ph type="sldNum" sz="quarter" idx="4"/>
+          </p:nvPr>
+        </p:nvSpPr>
+        <p:spPr/>
+        <p:txBody>
+          <a:bodyPr/>
+          <a:lstStyle/>
+          <a:p>
+            <a:fld id="{CD06142C-1AA4-405C-9DF3-638D73B05C27}" type="slidenum">
+              <a:rPr lang="en-US" smtClean="0"/>
+              <a:pPr/>
+              <a:t>7</a:t>
+            </a:fld>
+            <a:endParaRPr lang="en-US" dirty="0"/>
+          </a:p>
+        </p:txBody>
+      </p:sp>
+      <p:pic>
+        <p:nvPicPr>
+          <p:cNvPr id="6" name="Picture 5"/>
+          <p:cNvPicPr>
+            <a:picLocks noChangeAspect="1"/>
+          </p:cNvPicPr>
+          <p:nvPr/>
+        </p:nvPicPr>
+        <p:blipFill>
+          <a:blip r:embed="rId2"/>
+          <a:stretch>
+            <a:fillRect/>
+          </a:stretch>
+        </p:blipFill>
+        <p:spPr>
+          <a:xfrm>
+            <a:off x="1359355" y="3933824"/>
+            <a:ext cx="1816440" cy="1838325"/>
+          </a:xfrm>
+          <a:prstGeom prst="rect">
+            <a:avLst/>
+          </a:prstGeom>
+        </p:spPr>
+      </p:pic>
+      <p:pic>
+        <p:nvPicPr>
+          <p:cNvPr id="7" name="Picture 6"/>
+          <p:cNvPicPr>
+            <a:picLocks noChangeAspect="1"/>
+          </p:cNvPicPr>
+          <p:nvPr/>
+        </p:nvPicPr>
+        <p:blipFill>
+          <a:blip r:embed="rId3"/>
+          <a:stretch>
+            <a:fillRect/>
+          </a:stretch>
+        </p:blipFill>
+        <p:spPr>
+          <a:xfrm>
+            <a:off x="5148262" y="3809999"/>
+            <a:ext cx="2790825" cy="1962150"/>
+          </a:xfrm>
+          <a:prstGeom prst="rect">
+            <a:avLst/>
+          </a:prstGeom>
+        </p:spPr>
+      </p:pic>
+    </p:spTree>
+    <p:extLst>
+      <p:ext uri="{BB962C8B-B14F-4D97-AF65-F5344CB8AC3E}">
+        <p14:creationId xmlns:p14="http://schemas.microsoft.com/office/powerpoint/2010/main" val="529577181"/>
+      </p:ext>
+    </p:extLst>
+  </p:cSld>
+  <p:clrMapOvr>
+    <a:masterClrMapping/>
+  </p:clrMapOvr>
+</p:sld>
+</file>
+
+<file path=ppt/slides/slide8.xml><?xml version="1.0" encoding="utf-8"?>
+<p:sld xmlns:a="http://schemas.openxmlformats.org/drawingml/2006/main" xmlns:r="http://schemas.openxmlformats.org/officeDocument/2006/relationships" xmlns:p="http://schemas.openxmlformats.org/presentationml/2006/main">
+  <p:cSld>
+    <p:spTree>
+      <p:nvGrpSpPr>
+        <p:cNvPr id="1" name=""/>
+        <p:cNvGrpSpPr/>
+        <p:nvPr/>
+      </p:nvGrpSpPr>
+      <p:grpSpPr>
+        <a:xfrm>
+          <a:off x="0" y="0"/>
+          <a:ext cx="0" cy="0"/>
+          <a:chOff x="0" y="0"/>
+          <a:chExt cx="0" cy="0"/>
+        </a:xfrm>
+      </p:grpSpPr>
+      <p:sp>
+        <p:nvSpPr>
+          <p:cNvPr id="2" name="Text Placeholder 1"/>
+          <p:cNvSpPr>
+            <a:spLocks noGrp="1"/>
+          </p:cNvSpPr>
+          <p:nvPr>
+            <p:ph type="body" sz="quarter" idx="13"/>
+          </p:nvPr>
+        </p:nvSpPr>
+        <p:spPr/>
+        <p:txBody>
+          <a:bodyPr/>
+          <a:lstStyle/>
+          <a:p>
+            <a:r>
+              <a:rPr lang="pl-PL" dirty="0"/>
+              <a:t>Oauth 2.0</a:t>
+            </a:r>
+            <a:endParaRPr lang="en-GB" dirty="0"/>
+          </a:p>
+        </p:txBody>
+      </p:sp>
+      <p:sp>
+        <p:nvSpPr>
+          <p:cNvPr id="3" name="Text Placeholder 2"/>
+          <p:cNvSpPr>
+            <a:spLocks noGrp="1"/>
+          </p:cNvSpPr>
+          <p:nvPr>
+            <p:ph type="body" sz="quarter" idx="14"/>
+          </p:nvPr>
+        </p:nvSpPr>
+        <p:spPr/>
+        <p:txBody>
+          <a:bodyPr/>
+          <a:lstStyle/>
+          <a:p>
+            <a:endParaRPr lang="en-GB"/>
+          </a:p>
+        </p:txBody>
+      </p:sp>
+      <p:sp>
+        <p:nvSpPr>
+          <p:cNvPr id="4" name="Slide Number Placeholder 3"/>
+          <p:cNvSpPr>
+            <a:spLocks noGrp="1"/>
+          </p:cNvSpPr>
+          <p:nvPr>
+            <p:ph type="sldNum" sz="quarter" idx="4"/>
+          </p:nvPr>
+        </p:nvSpPr>
+        <p:spPr/>
+        <p:txBody>
+          <a:bodyPr/>
+          <a:lstStyle/>
+          <a:p>
+            <a:fld id="{CD06142C-1AA4-405C-9DF3-638D73B05C27}" type="slidenum">
+              <a:rPr lang="en-US" smtClean="0"/>
+              <a:pPr/>
+              <a:t>8</a:t>
+            </a:fld>
+            <a:endParaRPr lang="en-US" dirty="0"/>
+          </a:p>
+        </p:txBody>
+      </p:sp>
+      <p:pic>
+        <p:nvPicPr>
+          <p:cNvPr id="5" name="Picture 4"/>
+          <p:cNvPicPr>
+            <a:picLocks noChangeAspect="1"/>
+          </p:cNvPicPr>
+          <p:nvPr/>
+        </p:nvPicPr>
+        <p:blipFill>
+          <a:blip r:embed="rId2"/>
+          <a:stretch>
+            <a:fillRect/>
+          </a:stretch>
+        </p:blipFill>
+        <p:spPr>
+          <a:xfrm>
+            <a:off x="4477019" y="1733550"/>
+            <a:ext cx="4105006" cy="4124324"/>
+          </a:xfrm>
+          <a:prstGeom prst="rect">
+            <a:avLst/>
+          </a:prstGeom>
+        </p:spPr>
+      </p:pic>
+    </p:spTree>
+    <p:extLst>
+      <p:ext uri="{BB962C8B-B14F-4D97-AF65-F5344CB8AC3E}">
+        <p14:creationId xmlns:p14="http://schemas.microsoft.com/office/powerpoint/2010/main" val="4119065216"/>
+      </p:ext>
+    </p:extLst>
+  </p:cSld>
+  <p:clrMapOvr>
+    <a:masterClrMapping/>
+  </p:clrMapOvr>
+</p:sld>
+</file>
+
+<file path=ppt/slides/slide9.xml><?xml version="1.0" encoding="utf-8"?>
+<p:sld xmlns:a="http://schemas.openxmlformats.org/drawingml/2006/main" xmlns:r="http://schemas.openxmlformats.org/officeDocument/2006/relationships" xmlns:p="http://schemas.openxmlformats.org/presentationml/2006/main">
+  <p:cSld>
+    <p:spTree>
+      <p:nvGrpSpPr>
+        <p:cNvPr id="1" name=""/>
+        <p:cNvGrpSpPr/>
+        <p:nvPr/>
+      </p:nvGrpSpPr>
+      <p:grpSpPr>
+        <a:xfrm>
+          <a:off x="0" y="0"/>
+          <a:ext cx="0" cy="0"/>
+          <a:chOff x="0" y="0"/>
+          <a:chExt cx="0" cy="0"/>
+        </a:xfrm>
+      </p:grpSpPr>
+      <p:pic>
+        <p:nvPicPr>
+          <p:cNvPr id="5" name="Picture 4"/>
+          <p:cNvPicPr>
+            <a:picLocks noChangeAspect="1"/>
+          </p:cNvPicPr>
+          <p:nvPr/>
+        </p:nvPicPr>
+        <p:blipFill>
+          <a:blip r:embed="rId2"/>
+          <a:stretch>
+            <a:fillRect/>
+          </a:stretch>
+        </p:blipFill>
+        <p:spPr>
+          <a:xfrm>
+            <a:off x="5281828" y="1323974"/>
+            <a:ext cx="2624045" cy="2517775"/>
+          </a:xfrm>
+          <a:prstGeom prst="rect">
+            <a:avLst/>
+          </a:prstGeom>
+        </p:spPr>
+      </p:pic>
+      <p:sp>
+        <p:nvSpPr>
+          <p:cNvPr id="2" name="Text Placeholder 1"/>
+          <p:cNvSpPr>
+            <a:spLocks noGrp="1"/>
+          </p:cNvSpPr>
+          <p:nvPr>
+            <p:ph type="body" sz="quarter" idx="13"/>
+          </p:nvPr>
+        </p:nvSpPr>
+        <p:spPr>
+          <a:xfrm>
+            <a:off x="557811" y="1096926"/>
+            <a:ext cx="4681846" cy="957299"/>
+          </a:xfrm>
+        </p:spPr>
+        <p:txBody>
+          <a:bodyPr/>
+          <a:lstStyle/>
+          <a:p>
+            <a:r>
+              <a:rPr lang="pl-PL" dirty="0"/>
+              <a:t>JWT</a:t>
+            </a:r>
+            <a:endParaRPr lang="en-GB" dirty="0"/>
+          </a:p>
+        </p:txBody>
+      </p:sp>
+      <p:sp>
+        <p:nvSpPr>
+          <p:cNvPr id="3" name="Text Placeholder 2"/>
+          <p:cNvSpPr>
+            <a:spLocks noGrp="1"/>
+          </p:cNvSpPr>
+          <p:nvPr>
+            <p:ph type="body" sz="quarter" idx="14"/>
+          </p:nvPr>
+        </p:nvSpPr>
+        <p:spPr/>
+        <p:txBody>
+          <a:bodyPr/>
+          <a:lstStyle/>
+          <a:p>
+            <a:r>
+              <a:rPr lang="pl-PL" dirty="0"/>
+              <a:t>Header</a:t>
+            </a:r>
+          </a:p>
+          <a:p>
+            <a:pPr lvl="1"/>
+            <a:r>
+              <a:rPr lang="pl-PL" dirty="0"/>
+              <a:t>Typ</a:t>
+            </a:r>
+          </a:p>
+          <a:p>
+            <a:pPr lvl="1"/>
+            <a:r>
+              <a:rPr lang="pl-PL" dirty="0"/>
+              <a:t>Algorytm szyfrowania</a:t>
+            </a:r>
+          </a:p>
+          <a:p>
+            <a:r>
+              <a:rPr lang="pl-PL" dirty="0"/>
+              <a:t>Payload</a:t>
+            </a:r>
+          </a:p>
+          <a:p>
+            <a:pPr lvl="1"/>
+            <a:r>
+              <a:rPr lang="pl-PL" dirty="0"/>
+              <a:t>Atrybuty zdefiniowane przez użytkownika (claims, permissions, roles)</a:t>
+            </a:r>
+          </a:p>
+          <a:p>
+            <a:r>
+              <a:rPr lang="pl-PL" dirty="0"/>
+              <a:t>Signature</a:t>
+            </a:r>
+          </a:p>
+          <a:p>
+            <a:pPr lvl="1"/>
+            <a:r>
+              <a:rPr lang="pl-PL" dirty="0"/>
+              <a:t>Zaszyfrowany Header i Payload</a:t>
+            </a:r>
+          </a:p>
+          <a:p>
+            <a:pPr lvl="1"/>
+            <a:r>
+              <a:rPr lang="pl-PL" dirty="0"/>
+              <a:t>Secret stosowany do szyfrowania należy do odbiorcy i do wysyłającego</a:t>
+            </a:r>
+          </a:p>
+          <a:p>
+            <a:pPr lvl="1"/>
+            <a:endParaRPr lang="pl-PL" dirty="0"/>
+          </a:p>
+          <a:p>
+            <a:r>
+              <a:rPr lang="pl-PL" dirty="0"/>
+              <a:t>Format: [zaszyfrowany header].[zaszyfrowany payload].[podpis]</a:t>
+            </a:r>
+            <a:endParaRPr lang="en-GB" dirty="0"/>
+          </a:p>
+        </p:txBody>
+      </p:sp>
+      <p:sp>
+        <p:nvSpPr>
+          <p:cNvPr id="4" name="Slide Number Placeholder 3"/>
+          <p:cNvSpPr>
+            <a:spLocks noGrp="1"/>
+          </p:cNvSpPr>
+          <p:nvPr>
+            <p:ph type="sldNum" sz="quarter" idx="4"/>
+          </p:nvPr>
+        </p:nvSpPr>
+        <p:spPr/>
+        <p:txBody>
+          <a:bodyPr/>
+          <a:lstStyle/>
+          <a:p>
+            <a:fld id="{CD06142C-1AA4-405C-9DF3-638D73B05C27}" type="slidenum">
+              <a:rPr lang="en-US" smtClean="0"/>
+              <a:pPr/>
+              <a:t>9</a:t>
+            </a:fld>
+            <a:endParaRPr lang="en-US" dirty="0"/>
+          </a:p>
+        </p:txBody>
+      </p:sp>
+    </p:spTree>
+    <p:extLst>
+      <p:ext uri="{BB962C8B-B14F-4D97-AF65-F5344CB8AC3E}">
+        <p14:creationId xmlns:p14="http://schemas.microsoft.com/office/powerpoint/2010/main" val="616753558"/>
       </p:ext>
     </p:extLst>
   </p:cSld>
